--- a/entel-2019/img/api-internal-external.pptx
+++ b/entel-2019/img/api-internal-external.pptx
@@ -259,7 +259,7 @@
           <a:p>
             <a:fld id="{8E356357-5278-9D45-BA80-B71C4B26E789}" type="datetimeFigureOut">
               <a:rPr lang="en-US" smtClean="0"/>
-              <a:t>11/7/18</a:t>
+              <a:t>6/23/19</a:t>
             </a:fld>
             <a:endParaRPr lang="en-US"/>
           </a:p>
@@ -457,7 +457,7 @@
           <a:p>
             <a:fld id="{8E356357-5278-9D45-BA80-B71C4B26E789}" type="datetimeFigureOut">
               <a:rPr lang="en-US" smtClean="0"/>
-              <a:t>11/7/18</a:t>
+              <a:t>6/23/19</a:t>
             </a:fld>
             <a:endParaRPr lang="en-US"/>
           </a:p>
@@ -665,7 +665,7 @@
           <a:p>
             <a:fld id="{8E356357-5278-9D45-BA80-B71C4B26E789}" type="datetimeFigureOut">
               <a:rPr lang="en-US" smtClean="0"/>
-              <a:t>11/7/18</a:t>
+              <a:t>6/23/19</a:t>
             </a:fld>
             <a:endParaRPr lang="en-US"/>
           </a:p>
@@ -863,7 +863,7 @@
           <a:p>
             <a:fld id="{8E356357-5278-9D45-BA80-B71C4B26E789}" type="datetimeFigureOut">
               <a:rPr lang="en-US" smtClean="0"/>
-              <a:t>11/7/18</a:t>
+              <a:t>6/23/19</a:t>
             </a:fld>
             <a:endParaRPr lang="en-US"/>
           </a:p>
@@ -1138,7 +1138,7 @@
           <a:p>
             <a:fld id="{8E356357-5278-9D45-BA80-B71C4B26E789}" type="datetimeFigureOut">
               <a:rPr lang="en-US" smtClean="0"/>
-              <a:t>11/7/18</a:t>
+              <a:t>6/23/19</a:t>
             </a:fld>
             <a:endParaRPr lang="en-US"/>
           </a:p>
@@ -1403,7 +1403,7 @@
           <a:p>
             <a:fld id="{8E356357-5278-9D45-BA80-B71C4B26E789}" type="datetimeFigureOut">
               <a:rPr lang="en-US" smtClean="0"/>
-              <a:t>11/7/18</a:t>
+              <a:t>6/23/19</a:t>
             </a:fld>
             <a:endParaRPr lang="en-US"/>
           </a:p>
@@ -1815,7 +1815,7 @@
           <a:p>
             <a:fld id="{8E356357-5278-9D45-BA80-B71C4B26E789}" type="datetimeFigureOut">
               <a:rPr lang="en-US" smtClean="0"/>
-              <a:t>11/7/18</a:t>
+              <a:t>6/23/19</a:t>
             </a:fld>
             <a:endParaRPr lang="en-US"/>
           </a:p>
@@ -1956,7 +1956,7 @@
           <a:p>
             <a:fld id="{8E356357-5278-9D45-BA80-B71C4B26E789}" type="datetimeFigureOut">
               <a:rPr lang="en-US" smtClean="0"/>
-              <a:t>11/7/18</a:t>
+              <a:t>6/23/19</a:t>
             </a:fld>
             <a:endParaRPr lang="en-US"/>
           </a:p>
@@ -2069,7 +2069,7 @@
           <a:p>
             <a:fld id="{8E356357-5278-9D45-BA80-B71C4B26E789}" type="datetimeFigureOut">
               <a:rPr lang="en-US" smtClean="0"/>
-              <a:t>11/7/18</a:t>
+              <a:t>6/23/19</a:t>
             </a:fld>
             <a:endParaRPr lang="en-US"/>
           </a:p>
@@ -2380,7 +2380,7 @@
           <a:p>
             <a:fld id="{8E356357-5278-9D45-BA80-B71C4B26E789}" type="datetimeFigureOut">
               <a:rPr lang="en-US" smtClean="0"/>
-              <a:t>11/7/18</a:t>
+              <a:t>6/23/19</a:t>
             </a:fld>
             <a:endParaRPr lang="en-US"/>
           </a:p>
@@ -2668,7 +2668,7 @@
           <a:p>
             <a:fld id="{8E356357-5278-9D45-BA80-B71C4B26E789}" type="datetimeFigureOut">
               <a:rPr lang="en-US" smtClean="0"/>
-              <a:t>11/7/18</a:t>
+              <a:t>6/23/19</a:t>
             </a:fld>
             <a:endParaRPr lang="en-US"/>
           </a:p>
@@ -2909,7 +2909,7 @@
           <a:p>
             <a:fld id="{8E356357-5278-9D45-BA80-B71C4B26E789}" type="datetimeFigureOut">
               <a:rPr lang="en-US" smtClean="0"/>
-              <a:t>11/7/18</a:t>
+              <a:t>6/23/19</a:t>
             </a:fld>
             <a:endParaRPr lang="en-US"/>
           </a:p>
@@ -3328,10 +3328,10 @@
       </p:grpSpPr>
       <p:pic>
         <p:nvPicPr>
-          <p:cNvPr id="9" name="Graphic 8" descr="Cloud">
-            <a:extLst>
-              <a:ext uri="{FF2B5EF4-FFF2-40B4-BE49-F238E27FC236}">
-                <a16:creationId xmlns:a16="http://schemas.microsoft.com/office/drawing/2014/main" id="{B40A2A46-9BA8-A540-B04E-24B3FDA0B316}"/>
+          <p:cNvPr id="73" name="Graphic 72" descr="Cloud">
+            <a:extLst>
+              <a:ext uri="{FF2B5EF4-FFF2-40B4-BE49-F238E27FC236}">
+                <a16:creationId xmlns:a16="http://schemas.microsoft.com/office/drawing/2014/main" id="{44356CAB-FD20-3A44-9BB7-6EE0FEEEFDCE}"/>
               </a:ext>
             </a:extLst>
           </p:cNvPr>
@@ -3354,8 +3354,8 @@
         </p:blipFill>
         <p:spPr>
           <a:xfrm>
-            <a:off x="781050" y="214313"/>
-            <a:ext cx="7072312" cy="7072312"/>
+            <a:off x="7519998" y="361450"/>
+            <a:ext cx="3795712" cy="3795712"/>
           </a:xfrm>
           <a:prstGeom prst="rect">
             <a:avLst/>
@@ -3364,10 +3364,10 @@
       </p:pic>
       <p:pic>
         <p:nvPicPr>
-          <p:cNvPr id="10" name="Graphic 9" descr="Cloud">
-            <a:extLst>
-              <a:ext uri="{FF2B5EF4-FFF2-40B4-BE49-F238E27FC236}">
-                <a16:creationId xmlns:a16="http://schemas.microsoft.com/office/drawing/2014/main" id="{36C20BC2-9D3E-4A43-84B4-11AD1BE5AC35}"/>
+          <p:cNvPr id="74" name="Graphic 73" descr="Cloud">
+            <a:extLst>
+              <a:ext uri="{FF2B5EF4-FFF2-40B4-BE49-F238E27FC236}">
+                <a16:creationId xmlns:a16="http://schemas.microsoft.com/office/drawing/2014/main" id="{D5E33960-F72B-5C40-97E7-B1D4751000BE}"/>
               </a:ext>
             </a:extLst>
           </p:cNvPr>
@@ -3389,8 +3389,8 @@
           </a:stretch>
         </p:blipFill>
         <p:spPr>
-          <a:xfrm flipH="1">
-            <a:off x="7358063" y="340519"/>
+          <a:xfrm>
+            <a:off x="7436816" y="285250"/>
             <a:ext cx="3795712" cy="3795712"/>
           </a:xfrm>
           <a:prstGeom prst="rect">
@@ -3400,10 +3400,10 @@
       </p:pic>
       <p:pic>
         <p:nvPicPr>
-          <p:cNvPr id="11" name="Graphic 10" descr="Cloud">
-            <a:extLst>
-              <a:ext uri="{FF2B5EF4-FFF2-40B4-BE49-F238E27FC236}">
-                <a16:creationId xmlns:a16="http://schemas.microsoft.com/office/drawing/2014/main" id="{604CEC99-69D9-1644-9DDE-FA7E68131B77}"/>
+          <p:cNvPr id="76" name="Graphic 75" descr="Cloud">
+            <a:extLst>
+              <a:ext uri="{FF2B5EF4-FFF2-40B4-BE49-F238E27FC236}">
+                <a16:creationId xmlns:a16="http://schemas.microsoft.com/office/drawing/2014/main" id="{67DF7B69-F0FD-5747-B47F-C9FC9F17B464}"/>
               </a:ext>
             </a:extLst>
           </p:cNvPr>
@@ -3426,7 +3426,151 @@
         </p:blipFill>
         <p:spPr>
           <a:xfrm>
-            <a:off x="8210550" y="3207545"/>
+            <a:off x="7371362" y="209050"/>
+            <a:ext cx="3795712" cy="3795712"/>
+          </a:xfrm>
+          <a:prstGeom prst="rect">
+            <a:avLst/>
+          </a:prstGeom>
+        </p:spPr>
+      </p:pic>
+      <p:pic>
+        <p:nvPicPr>
+          <p:cNvPr id="71" name="Graphic 70" descr="Cloud">
+            <a:extLst>
+              <a:ext uri="{FF2B5EF4-FFF2-40B4-BE49-F238E27FC236}">
+                <a16:creationId xmlns:a16="http://schemas.microsoft.com/office/drawing/2014/main" id="{C620DAEE-E8C2-4B4F-BED2-46CE6BAAA005}"/>
+              </a:ext>
+            </a:extLst>
+          </p:cNvPr>
+          <p:cNvPicPr>
+            <a:picLocks noChangeAspect="1"/>
+          </p:cNvPicPr>
+          <p:nvPr/>
+        </p:nvPicPr>
+        <p:blipFill>
+          <a:blip r:embed="rId2">
+            <a:extLst>
+              <a:ext uri="{96DAC541-7B7A-43D3-8B79-37D633B846F1}">
+                <asvg:svgBlip xmlns:asvg="http://schemas.microsoft.com/office/drawing/2016/SVG/main" r:embed="rId3"/>
+              </a:ext>
+            </a:extLst>
+          </a:blip>
+          <a:stretch>
+            <a:fillRect/>
+          </a:stretch>
+        </p:blipFill>
+        <p:spPr>
+          <a:xfrm>
+            <a:off x="8362950" y="3359945"/>
+            <a:ext cx="3795712" cy="3795712"/>
+          </a:xfrm>
+          <a:prstGeom prst="rect">
+            <a:avLst/>
+          </a:prstGeom>
+        </p:spPr>
+      </p:pic>
+      <p:pic>
+        <p:nvPicPr>
+          <p:cNvPr id="70" name="Graphic 69" descr="Cloud">
+            <a:extLst>
+              <a:ext uri="{FF2B5EF4-FFF2-40B4-BE49-F238E27FC236}">
+                <a16:creationId xmlns:a16="http://schemas.microsoft.com/office/drawing/2014/main" id="{F109C676-9B65-794F-9A3F-44ECBEB53EB3}"/>
+              </a:ext>
+            </a:extLst>
+          </p:cNvPr>
+          <p:cNvPicPr>
+            <a:picLocks noChangeAspect="1"/>
+          </p:cNvPicPr>
+          <p:nvPr/>
+        </p:nvPicPr>
+        <p:blipFill>
+          <a:blip r:embed="rId2">
+            <a:extLst>
+              <a:ext uri="{96DAC541-7B7A-43D3-8B79-37D633B846F1}">
+                <asvg:svgBlip xmlns:asvg="http://schemas.microsoft.com/office/drawing/2016/SVG/main" r:embed="rId3"/>
+              </a:ext>
+            </a:extLst>
+          </a:blip>
+          <a:stretch>
+            <a:fillRect/>
+          </a:stretch>
+        </p:blipFill>
+        <p:spPr>
+          <a:xfrm>
+            <a:off x="8279768" y="3283745"/>
+            <a:ext cx="3795712" cy="3795712"/>
+          </a:xfrm>
+          <a:prstGeom prst="rect">
+            <a:avLst/>
+          </a:prstGeom>
+        </p:spPr>
+      </p:pic>
+      <p:pic>
+        <p:nvPicPr>
+          <p:cNvPr id="9" name="Graphic 8" descr="Cloud">
+            <a:extLst>
+              <a:ext uri="{FF2B5EF4-FFF2-40B4-BE49-F238E27FC236}">
+                <a16:creationId xmlns:a16="http://schemas.microsoft.com/office/drawing/2014/main" id="{B40A2A46-9BA8-A540-B04E-24B3FDA0B316}"/>
+              </a:ext>
+            </a:extLst>
+          </p:cNvPr>
+          <p:cNvPicPr>
+            <a:picLocks noChangeAspect="1"/>
+          </p:cNvPicPr>
+          <p:nvPr/>
+        </p:nvPicPr>
+        <p:blipFill>
+          <a:blip r:embed="rId2">
+            <a:extLst>
+              <a:ext uri="{96DAC541-7B7A-43D3-8B79-37D633B846F1}">
+                <asvg:svgBlip xmlns:asvg="http://schemas.microsoft.com/office/drawing/2016/SVG/main" r:embed="rId3"/>
+              </a:ext>
+            </a:extLst>
+          </a:blip>
+          <a:stretch>
+            <a:fillRect/>
+          </a:stretch>
+        </p:blipFill>
+        <p:spPr>
+          <a:xfrm>
+            <a:off x="807443" y="283699"/>
+            <a:ext cx="7072312" cy="7072312"/>
+          </a:xfrm>
+          <a:prstGeom prst="rect">
+            <a:avLst/>
+          </a:prstGeom>
+        </p:spPr>
+      </p:pic>
+      <p:pic>
+        <p:nvPicPr>
+          <p:cNvPr id="11" name="Graphic 10" descr="Cloud">
+            <a:extLst>
+              <a:ext uri="{FF2B5EF4-FFF2-40B4-BE49-F238E27FC236}">
+                <a16:creationId xmlns:a16="http://schemas.microsoft.com/office/drawing/2014/main" id="{604CEC99-69D9-1644-9DDE-FA7E68131B77}"/>
+              </a:ext>
+            </a:extLst>
+          </p:cNvPr>
+          <p:cNvPicPr>
+            <a:picLocks noChangeAspect="1"/>
+          </p:cNvPicPr>
+          <p:nvPr/>
+        </p:nvPicPr>
+        <p:blipFill>
+          <a:blip r:embed="rId2">
+            <a:extLst>
+              <a:ext uri="{96DAC541-7B7A-43D3-8B79-37D633B846F1}">
+                <asvg:svgBlip xmlns:asvg="http://schemas.microsoft.com/office/drawing/2016/SVG/main" r:embed="rId3"/>
+              </a:ext>
+            </a:extLst>
+          </a:blip>
+          <a:stretch>
+            <a:fillRect/>
+          </a:stretch>
+        </p:blipFill>
+        <p:spPr>
+          <a:xfrm>
+            <a:off x="8214314" y="3207545"/>
             <a:ext cx="3795712" cy="3795712"/>
           </a:xfrm>
           <a:prstGeom prst="rect">
@@ -3571,14 +3715,13 @@
           </p:cNvPr>
           <p:cNvCxnSpPr>
             <a:cxnSpLocks/>
-            <a:stCxn id="21" idx="1"/>
           </p:cNvCxnSpPr>
           <p:nvPr/>
         </p:nvCxnSpPr>
         <p:spPr>
           <a:xfrm flipH="1">
-            <a:off x="3712371" y="2081214"/>
-            <a:ext cx="4767260" cy="401239"/>
+            <a:off x="3712371" y="2457881"/>
+            <a:ext cx="4700984" cy="24572"/>
           </a:xfrm>
           <a:prstGeom prst="line">
             <a:avLst/>
@@ -3613,56 +3756,13 @@
           </p:cNvPr>
           <p:cNvCxnSpPr>
             <a:cxnSpLocks/>
-            <a:stCxn id="22" idx="1"/>
           </p:cNvCxnSpPr>
           <p:nvPr/>
         </p:nvCxnSpPr>
         <p:spPr>
           <a:xfrm flipH="1">
-            <a:off x="5543551" y="2715818"/>
-            <a:ext cx="2524124" cy="429813"/>
-          </a:xfrm>
-          <a:prstGeom prst="line">
-            <a:avLst/>
-          </a:prstGeom>
-          <a:ln w="41275">
-            <a:headEnd type="triangle"/>
-          </a:ln>
-        </p:spPr>
-        <p:style>
-          <a:lnRef idx="1">
-            <a:schemeClr val="accent1"/>
-          </a:lnRef>
-          <a:fillRef idx="0">
-            <a:schemeClr val="accent1"/>
-          </a:fillRef>
-          <a:effectRef idx="0">
-            <a:schemeClr val="accent1"/>
-          </a:effectRef>
-          <a:fontRef idx="minor">
-            <a:schemeClr val="tx1"/>
-          </a:fontRef>
-        </p:style>
-      </p:cxnSp>
-      <p:cxnSp>
-        <p:nvCxnSpPr>
-          <p:cNvPr id="46" name="Straight Connector 45">
-            <a:extLst>
-              <a:ext uri="{FF2B5EF4-FFF2-40B4-BE49-F238E27FC236}">
-                <a16:creationId xmlns:a16="http://schemas.microsoft.com/office/drawing/2014/main" id="{16A2FE8B-3E97-E449-B40E-0B512FBDDCD5}"/>
-              </a:ext>
-            </a:extLst>
-          </p:cNvPr>
-          <p:cNvCxnSpPr>
-            <a:cxnSpLocks/>
-            <a:stCxn id="34" idx="0"/>
-          </p:cNvCxnSpPr>
-          <p:nvPr/>
-        </p:nvCxnSpPr>
-        <p:spPr>
-          <a:xfrm flipH="1" flipV="1">
-            <a:off x="9689308" y="1969295"/>
-            <a:ext cx="569118" cy="532210"/>
+            <a:off x="5543551" y="2735461"/>
+            <a:ext cx="2855118" cy="410170"/>
           </a:xfrm>
           <a:prstGeom prst="line">
             <a:avLst/>
@@ -3937,171 +4037,6 @@
       </p:cxnSp>
       <p:cxnSp>
         <p:nvCxnSpPr>
-          <p:cNvPr id="78" name="Straight Connector 77">
-            <a:extLst>
-              <a:ext uri="{FF2B5EF4-FFF2-40B4-BE49-F238E27FC236}">
-                <a16:creationId xmlns:a16="http://schemas.microsoft.com/office/drawing/2014/main" id="{FAD483D1-2698-EB45-A7B8-E1221022FD16}"/>
-              </a:ext>
-            </a:extLst>
-          </p:cNvPr>
-          <p:cNvCxnSpPr>
-            <a:cxnSpLocks/>
-          </p:cNvCxnSpPr>
-          <p:nvPr/>
-        </p:nvCxnSpPr>
-        <p:spPr>
-          <a:xfrm flipV="1">
-            <a:off x="9360694" y="4772025"/>
-            <a:ext cx="423862" cy="414338"/>
-          </a:xfrm>
-          <a:prstGeom prst="line">
-            <a:avLst/>
-          </a:prstGeom>
-          <a:ln w="41275">
-            <a:headEnd type="triangle"/>
-          </a:ln>
-        </p:spPr>
-        <p:style>
-          <a:lnRef idx="1">
-            <a:schemeClr val="accent1"/>
-          </a:lnRef>
-          <a:fillRef idx="0">
-            <a:schemeClr val="accent1"/>
-          </a:fillRef>
-          <a:effectRef idx="0">
-            <a:schemeClr val="accent1"/>
-          </a:effectRef>
-          <a:fontRef idx="minor">
-            <a:schemeClr val="tx1"/>
-          </a:fontRef>
-        </p:style>
-      </p:cxnSp>
-      <p:cxnSp>
-        <p:nvCxnSpPr>
-          <p:cNvPr id="81" name="Straight Connector 80">
-            <a:extLst>
-              <a:ext uri="{FF2B5EF4-FFF2-40B4-BE49-F238E27FC236}">
-                <a16:creationId xmlns:a16="http://schemas.microsoft.com/office/drawing/2014/main" id="{19586903-1E94-1547-B989-B46D82ACC114}"/>
-              </a:ext>
-            </a:extLst>
-          </p:cNvPr>
-          <p:cNvCxnSpPr>
-            <a:cxnSpLocks/>
-            <a:stCxn id="35" idx="1"/>
-          </p:cNvCxnSpPr>
-          <p:nvPr/>
-        </p:nvCxnSpPr>
-        <p:spPr>
-          <a:xfrm flipH="1">
-            <a:off x="8417720" y="2649738"/>
-            <a:ext cx="531018" cy="60422"/>
-          </a:xfrm>
-          <a:prstGeom prst="line">
-            <a:avLst/>
-          </a:prstGeom>
-          <a:ln w="41275">
-            <a:headEnd type="triangle"/>
-          </a:ln>
-        </p:spPr>
-        <p:style>
-          <a:lnRef idx="1">
-            <a:schemeClr val="accent1"/>
-          </a:lnRef>
-          <a:fillRef idx="0">
-            <a:schemeClr val="accent1"/>
-          </a:fillRef>
-          <a:effectRef idx="0">
-            <a:schemeClr val="accent1"/>
-          </a:effectRef>
-          <a:fontRef idx="minor">
-            <a:schemeClr val="tx1"/>
-          </a:fontRef>
-        </p:style>
-      </p:cxnSp>
-      <p:cxnSp>
-        <p:nvCxnSpPr>
-          <p:cNvPr id="84" name="Straight Connector 83">
-            <a:extLst>
-              <a:ext uri="{FF2B5EF4-FFF2-40B4-BE49-F238E27FC236}">
-                <a16:creationId xmlns:a16="http://schemas.microsoft.com/office/drawing/2014/main" id="{684F9A39-E77B-D747-B07B-D592098DB24E}"/>
-              </a:ext>
-            </a:extLst>
-          </p:cNvPr>
-          <p:cNvCxnSpPr>
-            <a:cxnSpLocks/>
-          </p:cNvCxnSpPr>
-          <p:nvPr/>
-        </p:nvCxnSpPr>
-        <p:spPr>
-          <a:xfrm flipH="1">
-            <a:off x="8829675" y="1990130"/>
-            <a:ext cx="531019" cy="117277"/>
-          </a:xfrm>
-          <a:prstGeom prst="line">
-            <a:avLst/>
-          </a:prstGeom>
-          <a:ln w="41275">
-            <a:headEnd type="triangle"/>
-          </a:ln>
-        </p:spPr>
-        <p:style>
-          <a:lnRef idx="1">
-            <a:schemeClr val="accent1"/>
-          </a:lnRef>
-          <a:fillRef idx="0">
-            <a:schemeClr val="accent1"/>
-          </a:fillRef>
-          <a:effectRef idx="0">
-            <a:schemeClr val="accent1"/>
-          </a:effectRef>
-          <a:fontRef idx="minor">
-            <a:schemeClr val="tx1"/>
-          </a:fontRef>
-        </p:style>
-      </p:cxnSp>
-      <p:cxnSp>
-        <p:nvCxnSpPr>
-          <p:cNvPr id="87" name="Straight Connector 86">
-            <a:extLst>
-              <a:ext uri="{FF2B5EF4-FFF2-40B4-BE49-F238E27FC236}">
-                <a16:creationId xmlns:a16="http://schemas.microsoft.com/office/drawing/2014/main" id="{B9697B2E-53C9-FC4B-AFE1-CB06AD77300C}"/>
-              </a:ext>
-            </a:extLst>
-          </p:cNvPr>
-          <p:cNvCxnSpPr>
-            <a:cxnSpLocks/>
-          </p:cNvCxnSpPr>
-          <p:nvPr/>
-        </p:nvCxnSpPr>
-        <p:spPr>
-          <a:xfrm flipH="1" flipV="1">
-            <a:off x="9255919" y="2639396"/>
-            <a:ext cx="673894" cy="63883"/>
-          </a:xfrm>
-          <a:prstGeom prst="line">
-            <a:avLst/>
-          </a:prstGeom>
-          <a:ln w="41275">
-            <a:headEnd type="triangle"/>
-          </a:ln>
-        </p:spPr>
-        <p:style>
-          <a:lnRef idx="1">
-            <a:schemeClr val="accent1"/>
-          </a:lnRef>
-          <a:fillRef idx="0">
-            <a:schemeClr val="accent1"/>
-          </a:fillRef>
-          <a:effectRef idx="0">
-            <a:schemeClr val="accent1"/>
-          </a:effectRef>
-          <a:fontRef idx="minor">
-            <a:schemeClr val="tx1"/>
-          </a:fontRef>
-        </p:style>
-      </p:cxnSp>
-      <p:cxnSp>
-        <p:nvCxnSpPr>
           <p:cNvPr id="90" name="Straight Connector 89">
             <a:extLst>
               <a:ext uri="{FF2B5EF4-FFF2-40B4-BE49-F238E27FC236}">
@@ -4202,131 +4137,7 @@
         <p:spPr>
           <a:xfrm>
             <a:off x="7105657" y="4511278"/>
-            <a:ext cx="2013192" cy="902495"/>
-          </a:xfrm>
-          <a:prstGeom prst="line">
-            <a:avLst/>
-          </a:prstGeom>
-          <a:ln w="41275">
-            <a:headEnd type="triangle"/>
-          </a:ln>
-        </p:spPr>
-        <p:style>
-          <a:lnRef idx="1">
-            <a:schemeClr val="accent1"/>
-          </a:lnRef>
-          <a:fillRef idx="0">
-            <a:schemeClr val="accent1"/>
-          </a:fillRef>
-          <a:effectRef idx="0">
-            <a:schemeClr val="accent1"/>
-          </a:effectRef>
-          <a:fontRef idx="minor">
-            <a:schemeClr val="tx1"/>
-          </a:fontRef>
-        </p:style>
-      </p:cxnSp>
-      <p:cxnSp>
-        <p:nvCxnSpPr>
-          <p:cNvPr id="102" name="Straight Connector 101">
-            <a:extLst>
-              <a:ext uri="{FF2B5EF4-FFF2-40B4-BE49-F238E27FC236}">
-                <a16:creationId xmlns:a16="http://schemas.microsoft.com/office/drawing/2014/main" id="{AB895A98-87D7-4949-85BE-ECA2A090AF45}"/>
-              </a:ext>
-            </a:extLst>
-          </p:cNvPr>
-          <p:cNvCxnSpPr>
-            <a:cxnSpLocks/>
-          </p:cNvCxnSpPr>
-          <p:nvPr/>
-        </p:nvCxnSpPr>
-        <p:spPr>
-          <a:xfrm flipV="1">
-            <a:off x="10333955" y="5083968"/>
-            <a:ext cx="322139" cy="384572"/>
-          </a:xfrm>
-          <a:prstGeom prst="line">
-            <a:avLst/>
-          </a:prstGeom>
-          <a:ln w="41275">
-            <a:headEnd type="triangle"/>
-          </a:ln>
-        </p:spPr>
-        <p:style>
-          <a:lnRef idx="1">
-            <a:schemeClr val="accent1"/>
-          </a:lnRef>
-          <a:fillRef idx="0">
-            <a:schemeClr val="accent1"/>
-          </a:fillRef>
-          <a:effectRef idx="0">
-            <a:schemeClr val="accent1"/>
-          </a:effectRef>
-          <a:fontRef idx="minor">
-            <a:schemeClr val="tx1"/>
-          </a:fontRef>
-        </p:style>
-      </p:cxnSp>
-      <p:cxnSp>
-        <p:nvCxnSpPr>
-          <p:cNvPr id="105" name="Straight Connector 104">
-            <a:extLst>
-              <a:ext uri="{FF2B5EF4-FFF2-40B4-BE49-F238E27FC236}">
-                <a16:creationId xmlns:a16="http://schemas.microsoft.com/office/drawing/2014/main" id="{360C46B0-6D70-2548-806C-79482F13FCBF}"/>
-              </a:ext>
-            </a:extLst>
-          </p:cNvPr>
-          <p:cNvCxnSpPr>
-            <a:cxnSpLocks/>
-            <a:stCxn id="32" idx="1"/>
-          </p:cNvCxnSpPr>
-          <p:nvPr/>
-        </p:nvCxnSpPr>
-        <p:spPr>
-          <a:xfrm flipH="1" flipV="1">
-            <a:off x="9784556" y="4772025"/>
-            <a:ext cx="542926" cy="267890"/>
-          </a:xfrm>
-          <a:prstGeom prst="line">
-            <a:avLst/>
-          </a:prstGeom>
-          <a:ln w="41275">
-            <a:headEnd type="triangle"/>
-          </a:ln>
-        </p:spPr>
-        <p:style>
-          <a:lnRef idx="1">
-            <a:schemeClr val="accent1"/>
-          </a:lnRef>
-          <a:fillRef idx="0">
-            <a:schemeClr val="accent1"/>
-          </a:fillRef>
-          <a:effectRef idx="0">
-            <a:schemeClr val="accent1"/>
-          </a:effectRef>
-          <a:fontRef idx="minor">
-            <a:schemeClr val="tx1"/>
-          </a:fontRef>
-        </p:style>
-      </p:cxnSp>
-      <p:cxnSp>
-        <p:nvCxnSpPr>
-          <p:cNvPr id="108" name="Straight Connector 107">
-            <a:extLst>
-              <a:ext uri="{FF2B5EF4-FFF2-40B4-BE49-F238E27FC236}">
-                <a16:creationId xmlns:a16="http://schemas.microsoft.com/office/drawing/2014/main" id="{9F960E8C-AB8A-3F4B-9F20-BD16FA33FAE9}"/>
-              </a:ext>
-            </a:extLst>
-          </p:cNvPr>
-          <p:cNvCxnSpPr>
-            <a:cxnSpLocks/>
-          </p:cNvCxnSpPr>
-          <p:nvPr/>
-        </p:nvCxnSpPr>
-        <p:spPr>
-          <a:xfrm flipH="1" flipV="1">
-            <a:off x="10656094" y="5069085"/>
-            <a:ext cx="485780" cy="399455"/>
+            <a:ext cx="1769265" cy="742950"/>
           </a:xfrm>
           <a:prstGeom prst="line">
             <a:avLst/>
@@ -4748,10 +4559,10 @@
       </p:sp>
       <p:sp>
         <p:nvSpPr>
-          <p:cNvPr id="18" name="Rounded Rectangle 17">
-            <a:extLst>
-              <a:ext uri="{FF2B5EF4-FFF2-40B4-BE49-F238E27FC236}">
-                <a16:creationId xmlns:a16="http://schemas.microsoft.com/office/drawing/2014/main" id="{267D868A-28FD-4546-B95B-BAAC1E824637}"/>
+          <p:cNvPr id="23" name="Rounded Rectangle 22">
+            <a:extLst>
+              <a:ext uri="{FF2B5EF4-FFF2-40B4-BE49-F238E27FC236}">
+                <a16:creationId xmlns:a16="http://schemas.microsoft.com/office/drawing/2014/main" id="{D4A7EF1F-7B58-F94F-83DC-166B30F2247E}"/>
               </a:ext>
             </a:extLst>
           </p:cNvPr>
@@ -4760,7 +4571,7 @@
         </p:nvSpPr>
         <p:spPr>
           <a:xfrm>
-            <a:off x="8798719" y="5186363"/>
+            <a:off x="1619251" y="4136231"/>
             <a:ext cx="657225" cy="428625"/>
           </a:xfrm>
           <a:prstGeom prst="roundRect">
@@ -4800,10 +4611,10 @@
       </p:sp>
       <p:sp>
         <p:nvSpPr>
-          <p:cNvPr id="19" name="Rounded Rectangle 18">
-            <a:extLst>
-              <a:ext uri="{FF2B5EF4-FFF2-40B4-BE49-F238E27FC236}">
-                <a16:creationId xmlns:a16="http://schemas.microsoft.com/office/drawing/2014/main" id="{3BF38CC2-5856-3D49-8445-9752E93C6FA3}"/>
+          <p:cNvPr id="24" name="Rounded Rectangle 23">
+            <a:extLst>
+              <a:ext uri="{FF2B5EF4-FFF2-40B4-BE49-F238E27FC236}">
+                <a16:creationId xmlns:a16="http://schemas.microsoft.com/office/drawing/2014/main" id="{F6F56DC7-FACE-7544-8406-28AE6478D531}"/>
               </a:ext>
             </a:extLst>
           </p:cNvPr>
@@ -4812,7 +4623,7 @@
         </p:nvSpPr>
         <p:spPr>
           <a:xfrm>
-            <a:off x="9455944" y="4539853"/>
+            <a:off x="5193506" y="2924175"/>
             <a:ext cx="657225" cy="428625"/>
           </a:xfrm>
           <a:prstGeom prst="roundRect">
@@ -4852,10 +4663,10 @@
       </p:sp>
       <p:sp>
         <p:nvSpPr>
-          <p:cNvPr id="20" name="Rounded Rectangle 19">
-            <a:extLst>
-              <a:ext uri="{FF2B5EF4-FFF2-40B4-BE49-F238E27FC236}">
-                <a16:creationId xmlns:a16="http://schemas.microsoft.com/office/drawing/2014/main" id="{20867ED5-0474-4740-B660-3BE2A8B30544}"/>
+          <p:cNvPr id="25" name="Rounded Rectangle 24">
+            <a:extLst>
+              <a:ext uri="{FF2B5EF4-FFF2-40B4-BE49-F238E27FC236}">
+                <a16:creationId xmlns:a16="http://schemas.microsoft.com/office/drawing/2014/main" id="{45016E65-DCE1-CD42-B435-84B82CE042C7}"/>
               </a:ext>
             </a:extLst>
           </p:cNvPr>
@@ -4864,7 +4675,7 @@
         </p:nvSpPr>
         <p:spPr>
           <a:xfrm>
-            <a:off x="9360695" y="1728788"/>
+            <a:off x="4731545" y="3569494"/>
             <a:ext cx="657225" cy="428625"/>
           </a:xfrm>
           <a:prstGeom prst="roundRect">
@@ -4904,10 +4715,10 @@
       </p:sp>
       <p:sp>
         <p:nvSpPr>
-          <p:cNvPr id="21" name="Rounded Rectangle 20">
-            <a:extLst>
-              <a:ext uri="{FF2B5EF4-FFF2-40B4-BE49-F238E27FC236}">
-                <a16:creationId xmlns:a16="http://schemas.microsoft.com/office/drawing/2014/main" id="{64CAF2C9-1500-C04C-8170-B443E5478E6A}"/>
+          <p:cNvPr id="27" name="Rounded Rectangle 26">
+            <a:extLst>
+              <a:ext uri="{FF2B5EF4-FFF2-40B4-BE49-F238E27FC236}">
+                <a16:creationId xmlns:a16="http://schemas.microsoft.com/office/drawing/2014/main" id="{96698D6D-C7C6-D647-BE84-1B59429D6982}"/>
               </a:ext>
             </a:extLst>
           </p:cNvPr>
@@ -4916,7 +4727,7 @@
         </p:nvSpPr>
         <p:spPr>
           <a:xfrm>
-            <a:off x="8479631" y="1866901"/>
+            <a:off x="3443290" y="4958953"/>
             <a:ext cx="657225" cy="428625"/>
           </a:xfrm>
           <a:prstGeom prst="roundRect">
@@ -4956,10 +4767,10 @@
       </p:sp>
       <p:sp>
         <p:nvSpPr>
-          <p:cNvPr id="22" name="Rounded Rectangle 21">
-            <a:extLst>
-              <a:ext uri="{FF2B5EF4-FFF2-40B4-BE49-F238E27FC236}">
-                <a16:creationId xmlns:a16="http://schemas.microsoft.com/office/drawing/2014/main" id="{7ED6367D-924F-B542-B198-9ED231F5A21F}"/>
+          <p:cNvPr id="28" name="Rounded Rectangle 27">
+            <a:extLst>
+              <a:ext uri="{FF2B5EF4-FFF2-40B4-BE49-F238E27FC236}">
+                <a16:creationId xmlns:a16="http://schemas.microsoft.com/office/drawing/2014/main" id="{DEC8FF55-2F1D-3B4B-9187-7E972268B098}"/>
               </a:ext>
             </a:extLst>
           </p:cNvPr>
@@ -4968,7 +4779,7 @@
         </p:nvSpPr>
         <p:spPr>
           <a:xfrm>
-            <a:off x="8067675" y="2501505"/>
+            <a:off x="4095752" y="2924175"/>
             <a:ext cx="657225" cy="428625"/>
           </a:xfrm>
           <a:prstGeom prst="roundRect">
@@ -5008,10 +4819,10 @@
       </p:sp>
       <p:sp>
         <p:nvSpPr>
-          <p:cNvPr id="23" name="Rounded Rectangle 22">
-            <a:extLst>
-              <a:ext uri="{FF2B5EF4-FFF2-40B4-BE49-F238E27FC236}">
-                <a16:creationId xmlns:a16="http://schemas.microsoft.com/office/drawing/2014/main" id="{D4A7EF1F-7B58-F94F-83DC-166B30F2247E}"/>
+          <p:cNvPr id="29" name="Rounded Rectangle 28">
+            <a:extLst>
+              <a:ext uri="{FF2B5EF4-FFF2-40B4-BE49-F238E27FC236}">
+                <a16:creationId xmlns:a16="http://schemas.microsoft.com/office/drawing/2014/main" id="{FF312E9B-8F69-5945-82B5-B16430C64B34}"/>
               </a:ext>
             </a:extLst>
           </p:cNvPr>
@@ -5020,7 +4831,7 @@
         </p:nvSpPr>
         <p:spPr>
           <a:xfrm>
-            <a:off x="1619251" y="4136231"/>
+            <a:off x="3615002" y="3531724"/>
             <a:ext cx="657225" cy="428625"/>
           </a:xfrm>
           <a:prstGeom prst="roundRect">
@@ -5060,10 +4871,10 @@
       </p:sp>
       <p:sp>
         <p:nvSpPr>
-          <p:cNvPr id="24" name="Rounded Rectangle 23">
-            <a:extLst>
-              <a:ext uri="{FF2B5EF4-FFF2-40B4-BE49-F238E27FC236}">
-                <a16:creationId xmlns:a16="http://schemas.microsoft.com/office/drawing/2014/main" id="{F6F56DC7-FACE-7544-8406-28AE6478D531}"/>
+          <p:cNvPr id="30" name="Rounded Rectangle 29">
+            <a:extLst>
+              <a:ext uri="{FF2B5EF4-FFF2-40B4-BE49-F238E27FC236}">
+                <a16:creationId xmlns:a16="http://schemas.microsoft.com/office/drawing/2014/main" id="{C1C8DAB0-7507-3C46-B97D-B5492D4034B4}"/>
               </a:ext>
             </a:extLst>
           </p:cNvPr>
@@ -5072,527 +4883,7 @@
         </p:nvSpPr>
         <p:spPr>
           <a:xfrm>
-            <a:off x="5193506" y="2924175"/>
-            <a:ext cx="657225" cy="428625"/>
-          </a:xfrm>
-          <a:prstGeom prst="roundRect">
-            <a:avLst/>
-          </a:prstGeom>
-          <a:ln>
-            <a:headEnd type="triangle"/>
-          </a:ln>
-        </p:spPr>
-        <p:style>
-          <a:lnRef idx="2">
-            <a:schemeClr val="accent1">
-              <a:shade val="50000"/>
-            </a:schemeClr>
-          </a:lnRef>
-          <a:fillRef idx="1">
-            <a:schemeClr val="accent1"/>
-          </a:fillRef>
-          <a:effectRef idx="0">
-            <a:schemeClr val="accent1"/>
-          </a:effectRef>
-          <a:fontRef idx="minor">
-            <a:schemeClr val="lt1"/>
-          </a:fontRef>
-        </p:style>
-        <p:txBody>
-          <a:bodyPr rtlCol="0" anchor="ctr"/>
-          <a:lstStyle/>
-          <a:p>
-            <a:pPr algn="ctr"/>
-            <a:r>
-              <a:rPr lang="en-US" dirty="0"/>
-              <a:t>API</a:t>
-            </a:r>
-          </a:p>
-        </p:txBody>
-      </p:sp>
-      <p:sp>
-        <p:nvSpPr>
-          <p:cNvPr id="25" name="Rounded Rectangle 24">
-            <a:extLst>
-              <a:ext uri="{FF2B5EF4-FFF2-40B4-BE49-F238E27FC236}">
-                <a16:creationId xmlns:a16="http://schemas.microsoft.com/office/drawing/2014/main" id="{45016E65-DCE1-CD42-B435-84B82CE042C7}"/>
-              </a:ext>
-            </a:extLst>
-          </p:cNvPr>
-          <p:cNvSpPr/>
-          <p:nvPr/>
-        </p:nvSpPr>
-        <p:spPr>
-          <a:xfrm>
-            <a:off x="4731545" y="3569494"/>
-            <a:ext cx="657225" cy="428625"/>
-          </a:xfrm>
-          <a:prstGeom prst="roundRect">
-            <a:avLst/>
-          </a:prstGeom>
-          <a:ln>
-            <a:headEnd type="triangle"/>
-          </a:ln>
-        </p:spPr>
-        <p:style>
-          <a:lnRef idx="2">
-            <a:schemeClr val="accent1">
-              <a:shade val="50000"/>
-            </a:schemeClr>
-          </a:lnRef>
-          <a:fillRef idx="1">
-            <a:schemeClr val="accent1"/>
-          </a:fillRef>
-          <a:effectRef idx="0">
-            <a:schemeClr val="accent1"/>
-          </a:effectRef>
-          <a:fontRef idx="minor">
-            <a:schemeClr val="lt1"/>
-          </a:fontRef>
-        </p:style>
-        <p:txBody>
-          <a:bodyPr rtlCol="0" anchor="ctr"/>
-          <a:lstStyle/>
-          <a:p>
-            <a:pPr algn="ctr"/>
-            <a:r>
-              <a:rPr lang="en-US" dirty="0"/>
-              <a:t>API</a:t>
-            </a:r>
-          </a:p>
-        </p:txBody>
-      </p:sp>
-      <p:sp>
-        <p:nvSpPr>
-          <p:cNvPr id="27" name="Rounded Rectangle 26">
-            <a:extLst>
-              <a:ext uri="{FF2B5EF4-FFF2-40B4-BE49-F238E27FC236}">
-                <a16:creationId xmlns:a16="http://schemas.microsoft.com/office/drawing/2014/main" id="{96698D6D-C7C6-D647-BE84-1B59429D6982}"/>
-              </a:ext>
-            </a:extLst>
-          </p:cNvPr>
-          <p:cNvSpPr/>
-          <p:nvPr/>
-        </p:nvSpPr>
-        <p:spPr>
-          <a:xfrm>
-            <a:off x="3443290" y="4958953"/>
-            <a:ext cx="657225" cy="428625"/>
-          </a:xfrm>
-          <a:prstGeom prst="roundRect">
-            <a:avLst/>
-          </a:prstGeom>
-          <a:ln>
-            <a:headEnd type="triangle"/>
-          </a:ln>
-        </p:spPr>
-        <p:style>
-          <a:lnRef idx="2">
-            <a:schemeClr val="accent1">
-              <a:shade val="50000"/>
-            </a:schemeClr>
-          </a:lnRef>
-          <a:fillRef idx="1">
-            <a:schemeClr val="accent1"/>
-          </a:fillRef>
-          <a:effectRef idx="0">
-            <a:schemeClr val="accent1"/>
-          </a:effectRef>
-          <a:fontRef idx="minor">
-            <a:schemeClr val="lt1"/>
-          </a:fontRef>
-        </p:style>
-        <p:txBody>
-          <a:bodyPr rtlCol="0" anchor="ctr"/>
-          <a:lstStyle/>
-          <a:p>
-            <a:pPr algn="ctr"/>
-            <a:r>
-              <a:rPr lang="en-US" dirty="0"/>
-              <a:t>API</a:t>
-            </a:r>
-          </a:p>
-        </p:txBody>
-      </p:sp>
-      <p:sp>
-        <p:nvSpPr>
-          <p:cNvPr id="28" name="Rounded Rectangle 27">
-            <a:extLst>
-              <a:ext uri="{FF2B5EF4-FFF2-40B4-BE49-F238E27FC236}">
-                <a16:creationId xmlns:a16="http://schemas.microsoft.com/office/drawing/2014/main" id="{DEC8FF55-2F1D-3B4B-9187-7E972268B098}"/>
-              </a:ext>
-            </a:extLst>
-          </p:cNvPr>
-          <p:cNvSpPr/>
-          <p:nvPr/>
-        </p:nvSpPr>
-        <p:spPr>
-          <a:xfrm>
-            <a:off x="4095752" y="2924175"/>
-            <a:ext cx="657225" cy="428625"/>
-          </a:xfrm>
-          <a:prstGeom prst="roundRect">
-            <a:avLst/>
-          </a:prstGeom>
-          <a:ln>
-            <a:headEnd type="triangle"/>
-          </a:ln>
-        </p:spPr>
-        <p:style>
-          <a:lnRef idx="2">
-            <a:schemeClr val="accent1">
-              <a:shade val="50000"/>
-            </a:schemeClr>
-          </a:lnRef>
-          <a:fillRef idx="1">
-            <a:schemeClr val="accent1"/>
-          </a:fillRef>
-          <a:effectRef idx="0">
-            <a:schemeClr val="accent1"/>
-          </a:effectRef>
-          <a:fontRef idx="minor">
-            <a:schemeClr val="lt1"/>
-          </a:fontRef>
-        </p:style>
-        <p:txBody>
-          <a:bodyPr rtlCol="0" anchor="ctr"/>
-          <a:lstStyle/>
-          <a:p>
-            <a:pPr algn="ctr"/>
-            <a:r>
-              <a:rPr lang="en-US" dirty="0"/>
-              <a:t>API</a:t>
-            </a:r>
-          </a:p>
-        </p:txBody>
-      </p:sp>
-      <p:sp>
-        <p:nvSpPr>
-          <p:cNvPr id="29" name="Rounded Rectangle 28">
-            <a:extLst>
-              <a:ext uri="{FF2B5EF4-FFF2-40B4-BE49-F238E27FC236}">
-                <a16:creationId xmlns:a16="http://schemas.microsoft.com/office/drawing/2014/main" id="{FF312E9B-8F69-5945-82B5-B16430C64B34}"/>
-              </a:ext>
-            </a:extLst>
-          </p:cNvPr>
-          <p:cNvSpPr/>
-          <p:nvPr/>
-        </p:nvSpPr>
-        <p:spPr>
-          <a:xfrm>
-            <a:off x="3615002" y="3531724"/>
-            <a:ext cx="657225" cy="428625"/>
-          </a:xfrm>
-          <a:prstGeom prst="roundRect">
-            <a:avLst/>
-          </a:prstGeom>
-          <a:ln>
-            <a:headEnd type="triangle"/>
-          </a:ln>
-        </p:spPr>
-        <p:style>
-          <a:lnRef idx="2">
-            <a:schemeClr val="accent1">
-              <a:shade val="50000"/>
-            </a:schemeClr>
-          </a:lnRef>
-          <a:fillRef idx="1">
-            <a:schemeClr val="accent1"/>
-          </a:fillRef>
-          <a:effectRef idx="0">
-            <a:schemeClr val="accent1"/>
-          </a:effectRef>
-          <a:fontRef idx="minor">
-            <a:schemeClr val="lt1"/>
-          </a:fontRef>
-        </p:style>
-        <p:txBody>
-          <a:bodyPr rtlCol="0" anchor="ctr"/>
-          <a:lstStyle/>
-          <a:p>
-            <a:pPr algn="ctr"/>
-            <a:r>
-              <a:rPr lang="en-US" dirty="0"/>
-              <a:t>API</a:t>
-            </a:r>
-          </a:p>
-        </p:txBody>
-      </p:sp>
-      <p:sp>
-        <p:nvSpPr>
-          <p:cNvPr id="30" name="Rounded Rectangle 29">
-            <a:extLst>
-              <a:ext uri="{FF2B5EF4-FFF2-40B4-BE49-F238E27FC236}">
-                <a16:creationId xmlns:a16="http://schemas.microsoft.com/office/drawing/2014/main" id="{C1C8DAB0-7507-3C46-B97D-B5492D4034B4}"/>
-              </a:ext>
-            </a:extLst>
-          </p:cNvPr>
-          <p:cNvSpPr/>
-          <p:nvPr/>
-        </p:nvSpPr>
-        <p:spPr>
-          <a:xfrm>
             <a:off x="5148264" y="4227908"/>
-            <a:ext cx="657225" cy="428625"/>
-          </a:xfrm>
-          <a:prstGeom prst="roundRect">
-            <a:avLst/>
-          </a:prstGeom>
-          <a:ln>
-            <a:headEnd type="triangle"/>
-          </a:ln>
-        </p:spPr>
-        <p:style>
-          <a:lnRef idx="2">
-            <a:schemeClr val="accent1">
-              <a:shade val="50000"/>
-            </a:schemeClr>
-          </a:lnRef>
-          <a:fillRef idx="1">
-            <a:schemeClr val="accent1"/>
-          </a:fillRef>
-          <a:effectRef idx="0">
-            <a:schemeClr val="accent1"/>
-          </a:effectRef>
-          <a:fontRef idx="minor">
-            <a:schemeClr val="lt1"/>
-          </a:fontRef>
-        </p:style>
-        <p:txBody>
-          <a:bodyPr rtlCol="0" anchor="ctr"/>
-          <a:lstStyle/>
-          <a:p>
-            <a:pPr algn="ctr"/>
-            <a:r>
-              <a:rPr lang="en-US" dirty="0"/>
-              <a:t>API</a:t>
-            </a:r>
-          </a:p>
-        </p:txBody>
-      </p:sp>
-      <p:sp>
-        <p:nvSpPr>
-          <p:cNvPr id="31" name="Rounded Rectangle 30">
-            <a:extLst>
-              <a:ext uri="{FF2B5EF4-FFF2-40B4-BE49-F238E27FC236}">
-                <a16:creationId xmlns:a16="http://schemas.microsoft.com/office/drawing/2014/main" id="{CCDF89DD-07E8-C24C-A7D3-EAAC5924B70D}"/>
-              </a:ext>
-            </a:extLst>
-          </p:cNvPr>
-          <p:cNvSpPr/>
-          <p:nvPr/>
-        </p:nvSpPr>
-        <p:spPr>
-          <a:xfrm>
-            <a:off x="10813262" y="5468540"/>
-            <a:ext cx="657225" cy="428625"/>
-          </a:xfrm>
-          <a:prstGeom prst="roundRect">
-            <a:avLst/>
-          </a:prstGeom>
-          <a:ln>
-            <a:headEnd type="triangle"/>
-          </a:ln>
-        </p:spPr>
-        <p:style>
-          <a:lnRef idx="2">
-            <a:schemeClr val="accent1">
-              <a:shade val="50000"/>
-            </a:schemeClr>
-          </a:lnRef>
-          <a:fillRef idx="1">
-            <a:schemeClr val="accent1"/>
-          </a:fillRef>
-          <a:effectRef idx="0">
-            <a:schemeClr val="accent1"/>
-          </a:effectRef>
-          <a:fontRef idx="minor">
-            <a:schemeClr val="lt1"/>
-          </a:fontRef>
-        </p:style>
-        <p:txBody>
-          <a:bodyPr rtlCol="0" anchor="ctr"/>
-          <a:lstStyle/>
-          <a:p>
-            <a:pPr algn="ctr"/>
-            <a:r>
-              <a:rPr lang="en-US" dirty="0"/>
-              <a:t>API</a:t>
-            </a:r>
-          </a:p>
-        </p:txBody>
-      </p:sp>
-      <p:sp>
-        <p:nvSpPr>
-          <p:cNvPr id="32" name="Rounded Rectangle 31">
-            <a:extLst>
-              <a:ext uri="{FF2B5EF4-FFF2-40B4-BE49-F238E27FC236}">
-                <a16:creationId xmlns:a16="http://schemas.microsoft.com/office/drawing/2014/main" id="{6D1E41F6-CD23-084D-8E16-090170467D6B}"/>
-              </a:ext>
-            </a:extLst>
-          </p:cNvPr>
-          <p:cNvSpPr/>
-          <p:nvPr/>
-        </p:nvSpPr>
-        <p:spPr>
-          <a:xfrm>
-            <a:off x="10327482" y="4825602"/>
-            <a:ext cx="657225" cy="428625"/>
-          </a:xfrm>
-          <a:prstGeom prst="roundRect">
-            <a:avLst/>
-          </a:prstGeom>
-          <a:ln>
-            <a:headEnd type="triangle"/>
-          </a:ln>
-        </p:spPr>
-        <p:style>
-          <a:lnRef idx="2">
-            <a:schemeClr val="accent1">
-              <a:shade val="50000"/>
-            </a:schemeClr>
-          </a:lnRef>
-          <a:fillRef idx="1">
-            <a:schemeClr val="accent1"/>
-          </a:fillRef>
-          <a:effectRef idx="0">
-            <a:schemeClr val="accent1"/>
-          </a:effectRef>
-          <a:fontRef idx="minor">
-            <a:schemeClr val="lt1"/>
-          </a:fontRef>
-        </p:style>
-        <p:txBody>
-          <a:bodyPr rtlCol="0" anchor="ctr"/>
-          <a:lstStyle/>
-          <a:p>
-            <a:pPr algn="ctr"/>
-            <a:r>
-              <a:rPr lang="en-US" dirty="0"/>
-              <a:t>API</a:t>
-            </a:r>
-          </a:p>
-        </p:txBody>
-      </p:sp>
-      <p:sp>
-        <p:nvSpPr>
-          <p:cNvPr id="33" name="Rounded Rectangle 32">
-            <a:extLst>
-              <a:ext uri="{FF2B5EF4-FFF2-40B4-BE49-F238E27FC236}">
-                <a16:creationId xmlns:a16="http://schemas.microsoft.com/office/drawing/2014/main" id="{8DA0D49B-69D8-B74C-9A71-2CF98CF5D2F7}"/>
-              </a:ext>
-            </a:extLst>
-          </p:cNvPr>
-          <p:cNvSpPr/>
-          <p:nvPr/>
-        </p:nvSpPr>
-        <p:spPr>
-          <a:xfrm>
-            <a:off x="9689307" y="5413773"/>
-            <a:ext cx="657225" cy="428625"/>
-          </a:xfrm>
-          <a:prstGeom prst="roundRect">
-            <a:avLst/>
-          </a:prstGeom>
-          <a:ln>
-            <a:headEnd type="triangle"/>
-          </a:ln>
-        </p:spPr>
-        <p:style>
-          <a:lnRef idx="2">
-            <a:schemeClr val="accent1">
-              <a:shade val="50000"/>
-            </a:schemeClr>
-          </a:lnRef>
-          <a:fillRef idx="1">
-            <a:schemeClr val="accent1"/>
-          </a:fillRef>
-          <a:effectRef idx="0">
-            <a:schemeClr val="accent1"/>
-          </a:effectRef>
-          <a:fontRef idx="minor">
-            <a:schemeClr val="lt1"/>
-          </a:fontRef>
-        </p:style>
-        <p:txBody>
-          <a:bodyPr rtlCol="0" anchor="ctr"/>
-          <a:lstStyle/>
-          <a:p>
-            <a:pPr algn="ctr"/>
-            <a:r>
-              <a:rPr lang="en-US" dirty="0"/>
-              <a:t>API</a:t>
-            </a:r>
-          </a:p>
-        </p:txBody>
-      </p:sp>
-      <p:sp>
-        <p:nvSpPr>
-          <p:cNvPr id="34" name="Rounded Rectangle 33">
-            <a:extLst>
-              <a:ext uri="{FF2B5EF4-FFF2-40B4-BE49-F238E27FC236}">
-                <a16:creationId xmlns:a16="http://schemas.microsoft.com/office/drawing/2014/main" id="{EFBDFA32-939E-5249-B6DB-141B1308A2D2}"/>
-              </a:ext>
-            </a:extLst>
-          </p:cNvPr>
-          <p:cNvSpPr/>
-          <p:nvPr/>
-        </p:nvSpPr>
-        <p:spPr>
-          <a:xfrm>
-            <a:off x="9929813" y="2501505"/>
-            <a:ext cx="657225" cy="428625"/>
-          </a:xfrm>
-          <a:prstGeom prst="roundRect">
-            <a:avLst/>
-          </a:prstGeom>
-          <a:ln>
-            <a:headEnd type="triangle"/>
-          </a:ln>
-        </p:spPr>
-        <p:style>
-          <a:lnRef idx="2">
-            <a:schemeClr val="accent1">
-              <a:shade val="50000"/>
-            </a:schemeClr>
-          </a:lnRef>
-          <a:fillRef idx="1">
-            <a:schemeClr val="accent1"/>
-          </a:fillRef>
-          <a:effectRef idx="0">
-            <a:schemeClr val="accent1"/>
-          </a:effectRef>
-          <a:fontRef idx="minor">
-            <a:schemeClr val="lt1"/>
-          </a:fontRef>
-        </p:style>
-        <p:txBody>
-          <a:bodyPr rtlCol="0" anchor="ctr"/>
-          <a:lstStyle/>
-          <a:p>
-            <a:pPr algn="ctr"/>
-            <a:r>
-              <a:rPr lang="en-US" dirty="0"/>
-              <a:t>API</a:t>
-            </a:r>
-          </a:p>
-        </p:txBody>
-      </p:sp>
-      <p:sp>
-        <p:nvSpPr>
-          <p:cNvPr id="35" name="Rounded Rectangle 34">
-            <a:extLst>
-              <a:ext uri="{FF2B5EF4-FFF2-40B4-BE49-F238E27FC236}">
-                <a16:creationId xmlns:a16="http://schemas.microsoft.com/office/drawing/2014/main" id="{EA9ADB18-7E44-0C40-9CD5-3A0D95DE0C0B}"/>
-              </a:ext>
-            </a:extLst>
-          </p:cNvPr>
-          <p:cNvSpPr/>
-          <p:nvPr/>
-        </p:nvSpPr>
-        <p:spPr>
-          <a:xfrm>
-            <a:off x="8948738" y="2435425"/>
             <a:ext cx="657225" cy="428625"/>
           </a:xfrm>
           <a:prstGeom prst="roundRect">
@@ -5838,9 +5129,9 @@
           <a:bodyPr rtlCol="0" anchor="ctr"/>
           <a:lstStyle/>
           <a:p>
-            <a:pPr algn="r"/>
-            <a:r>
-              <a:rPr lang="en-US" sz="3600" dirty="0">
+            <a:pPr algn="ctr"/>
+            <a:r>
+              <a:rPr lang="en-US" sz="2000" dirty="0">
                 <a:solidFill>
                   <a:schemeClr val="accent1"/>
                 </a:solidFill>
@@ -5864,7 +5155,7 @@
         </p:nvSpPr>
         <p:spPr>
           <a:xfrm>
-            <a:off x="7879755" y="4081264"/>
+            <a:off x="8116096" y="3960349"/>
             <a:ext cx="594519" cy="598487"/>
           </a:xfrm>
           <a:prstGeom prst="ellipse">
@@ -5902,15 +5193,20 @@
           <a:bodyPr rtlCol="0" anchor="ctr"/>
           <a:lstStyle/>
           <a:p>
-            <a:pPr algn="r"/>
-            <a:r>
-              <a:rPr lang="en-US" sz="3600" dirty="0">
+            <a:pPr algn="ctr"/>
+            <a:r>
+              <a:rPr lang="en-US" dirty="0">
                 <a:solidFill>
                   <a:schemeClr val="accent1"/>
                 </a:solidFill>
               </a:rPr>
-              <a:t>1</a:t>
-            </a:r>
+              <a:t>1a</a:t>
+            </a:r>
+            <a:endParaRPr lang="en-US" sz="3600" dirty="0">
+              <a:solidFill>
+                <a:schemeClr val="accent1"/>
+              </a:solidFill>
+            </a:endParaRPr>
           </a:p>
         </p:txBody>
       </p:sp>
@@ -5966,14 +5262,131 @@
           <a:bodyPr rtlCol="0" anchor="ctr"/>
           <a:lstStyle/>
           <a:p>
-            <a:pPr algn="r"/>
-            <a:r>
-              <a:rPr lang="en-US" sz="3600" dirty="0">
+            <a:pPr algn="ctr"/>
+            <a:r>
+              <a:rPr lang="en-US" dirty="0">
                 <a:solidFill>
                   <a:schemeClr val="accent1"/>
                 </a:solidFill>
               </a:rPr>
-              <a:t>3</a:t>
+              <a:t>1b</a:t>
+            </a:r>
+            <a:endParaRPr lang="en-US" sz="3600" dirty="0">
+              <a:solidFill>
+                <a:schemeClr val="accent1"/>
+              </a:solidFill>
+            </a:endParaRPr>
+          </a:p>
+        </p:txBody>
+      </p:sp>
+      <p:cxnSp>
+        <p:nvCxnSpPr>
+          <p:cNvPr id="58" name="Straight Connector 57">
+            <a:extLst>
+              <a:ext uri="{FF2B5EF4-FFF2-40B4-BE49-F238E27FC236}">
+                <a16:creationId xmlns:a16="http://schemas.microsoft.com/office/drawing/2014/main" id="{33247511-6E74-4C44-B532-B93F97D26DB5}"/>
+              </a:ext>
+            </a:extLst>
+          </p:cNvPr>
+          <p:cNvCxnSpPr>
+            <a:cxnSpLocks/>
+            <a:stCxn id="37" idx="3"/>
+          </p:cNvCxnSpPr>
+          <p:nvPr/>
+        </p:nvCxnSpPr>
+        <p:spPr>
+          <a:xfrm>
+            <a:off x="6348411" y="5116709"/>
+            <a:ext cx="2576713" cy="508628"/>
+          </a:xfrm>
+          <a:prstGeom prst="line">
+            <a:avLst/>
+          </a:prstGeom>
+          <a:ln w="41275">
+            <a:headEnd type="triangle"/>
+          </a:ln>
+        </p:spPr>
+        <p:style>
+          <a:lnRef idx="1">
+            <a:schemeClr val="accent1"/>
+          </a:lnRef>
+          <a:fillRef idx="0">
+            <a:schemeClr val="accent1"/>
+          </a:fillRef>
+          <a:effectRef idx="0">
+            <a:schemeClr val="accent1"/>
+          </a:effectRef>
+          <a:fontRef idx="minor">
+            <a:schemeClr val="tx1"/>
+          </a:fontRef>
+        </p:style>
+      </p:cxnSp>
+      <p:sp>
+        <p:nvSpPr>
+          <p:cNvPr id="5" name="TextBox 4">
+            <a:extLst>
+              <a:ext uri="{FF2B5EF4-FFF2-40B4-BE49-F238E27FC236}">
+                <a16:creationId xmlns:a16="http://schemas.microsoft.com/office/drawing/2014/main" id="{6D6D20B3-F2C5-AC4A-B052-FE2C1F1F30E3}"/>
+              </a:ext>
+            </a:extLst>
+          </p:cNvPr>
+          <p:cNvSpPr txBox="1"/>
+          <p:nvPr/>
+        </p:nvSpPr>
+        <p:spPr>
+          <a:xfrm>
+            <a:off x="8541828" y="2281833"/>
+            <a:ext cx="2113977" cy="523220"/>
+          </a:xfrm>
+          <a:prstGeom prst="rect">
+            <a:avLst/>
+          </a:prstGeom>
+          <a:noFill/>
+        </p:spPr>
+        <p:txBody>
+          <a:bodyPr wrap="none" rtlCol="0">
+            <a:spAutoFit/>
+          </a:bodyPr>
+          <a:lstStyle/>
+          <a:p>
+            <a:r>
+              <a:rPr lang="en-US" sz="2800" dirty="0"/>
+              <a:t>API Providers</a:t>
+            </a:r>
+          </a:p>
+        </p:txBody>
+      </p:sp>
+      <p:sp>
+        <p:nvSpPr>
+          <p:cNvPr id="62" name="TextBox 61">
+            <a:extLst>
+              <a:ext uri="{FF2B5EF4-FFF2-40B4-BE49-F238E27FC236}">
+                <a16:creationId xmlns:a16="http://schemas.microsoft.com/office/drawing/2014/main" id="{8DBEACDE-7B50-9044-A3C0-0338D9A45B60}"/>
+              </a:ext>
+            </a:extLst>
+          </p:cNvPr>
+          <p:cNvSpPr txBox="1"/>
+          <p:nvPr/>
+        </p:nvSpPr>
+        <p:spPr>
+          <a:xfrm>
+            <a:off x="9151143" y="5254228"/>
+            <a:ext cx="2374624" cy="523220"/>
+          </a:xfrm>
+          <a:prstGeom prst="rect">
+            <a:avLst/>
+          </a:prstGeom>
+          <a:noFill/>
+        </p:spPr>
+        <p:txBody>
+          <a:bodyPr wrap="none" rtlCol="0">
+            <a:spAutoFit/>
+          </a:bodyPr>
+          <a:lstStyle/>
+          <a:p>
+            <a:r>
+              <a:rPr lang="en-US" sz="2800" dirty="0"/>
+              <a:t>API Consumers</a:t>
             </a:r>
           </a:p>
         </p:txBody>
